--- a/Presentation1.pptx
+++ b/Presentation1.pptx
@@ -106,6 +106,11 @@
       </a:defRPr>
     </a:lvl9pPr>
   </p:defaultTextStyle>
+  <p:extLst>
+    <p:ext uri="{EFAFB233-063F-42B5-8137-9DF3F51BA10A}">
+      <p15:sldGuideLst xmlns:p15="http://schemas.microsoft.com/office/powerpoint/2012/main"/>
+    </p:ext>
+  </p:extLst>
 </p:presentation>
 </file>
 
@@ -240,7 +245,7 @@
           <a:p>
             <a:fld id="{18B5F1E0-5D9A-461D-B9FA-2358B0F765B5}" type="datetimeFigureOut">
               <a:rPr lang="en-US" smtClean="0"/>
-              <a:t>6/10/2022</a:t>
+              <a:t>6/11/2022</a:t>
             </a:fld>
             <a:endParaRPr lang="en-US"/>
           </a:p>
@@ -410,7 +415,7 @@
           <a:p>
             <a:fld id="{18B5F1E0-5D9A-461D-B9FA-2358B0F765B5}" type="datetimeFigureOut">
               <a:rPr lang="en-US" smtClean="0"/>
-              <a:t>6/10/2022</a:t>
+              <a:t>6/11/2022</a:t>
             </a:fld>
             <a:endParaRPr lang="en-US"/>
           </a:p>
@@ -590,7 +595,7 @@
           <a:p>
             <a:fld id="{18B5F1E0-5D9A-461D-B9FA-2358B0F765B5}" type="datetimeFigureOut">
               <a:rPr lang="en-US" smtClean="0"/>
-              <a:t>6/10/2022</a:t>
+              <a:t>6/11/2022</a:t>
             </a:fld>
             <a:endParaRPr lang="en-US"/>
           </a:p>
@@ -760,7 +765,7 @@
           <a:p>
             <a:fld id="{18B5F1E0-5D9A-461D-B9FA-2358B0F765B5}" type="datetimeFigureOut">
               <a:rPr lang="en-US" smtClean="0"/>
-              <a:t>6/10/2022</a:t>
+              <a:t>6/11/2022</a:t>
             </a:fld>
             <a:endParaRPr lang="en-US"/>
           </a:p>
@@ -1006,7 +1011,7 @@
           <a:p>
             <a:fld id="{18B5F1E0-5D9A-461D-B9FA-2358B0F765B5}" type="datetimeFigureOut">
               <a:rPr lang="en-US" smtClean="0"/>
-              <a:t>6/10/2022</a:t>
+              <a:t>6/11/2022</a:t>
             </a:fld>
             <a:endParaRPr lang="en-US"/>
           </a:p>
@@ -1238,7 +1243,7 @@
           <a:p>
             <a:fld id="{18B5F1E0-5D9A-461D-B9FA-2358B0F765B5}" type="datetimeFigureOut">
               <a:rPr lang="en-US" smtClean="0"/>
-              <a:t>6/10/2022</a:t>
+              <a:t>6/11/2022</a:t>
             </a:fld>
             <a:endParaRPr lang="en-US"/>
           </a:p>
@@ -1605,7 +1610,7 @@
           <a:p>
             <a:fld id="{18B5F1E0-5D9A-461D-B9FA-2358B0F765B5}" type="datetimeFigureOut">
               <a:rPr lang="en-US" smtClean="0"/>
-              <a:t>6/10/2022</a:t>
+              <a:t>6/11/2022</a:t>
             </a:fld>
             <a:endParaRPr lang="en-US"/>
           </a:p>
@@ -1723,7 +1728,7 @@
           <a:p>
             <a:fld id="{18B5F1E0-5D9A-461D-B9FA-2358B0F765B5}" type="datetimeFigureOut">
               <a:rPr lang="en-US" smtClean="0"/>
-              <a:t>6/10/2022</a:t>
+              <a:t>6/11/2022</a:t>
             </a:fld>
             <a:endParaRPr lang="en-US"/>
           </a:p>
@@ -1818,7 +1823,7 @@
           <a:p>
             <a:fld id="{18B5F1E0-5D9A-461D-B9FA-2358B0F765B5}" type="datetimeFigureOut">
               <a:rPr lang="en-US" smtClean="0"/>
-              <a:t>6/10/2022</a:t>
+              <a:t>6/11/2022</a:t>
             </a:fld>
             <a:endParaRPr lang="en-US"/>
           </a:p>
@@ -2095,7 +2100,7 @@
           <a:p>
             <a:fld id="{18B5F1E0-5D9A-461D-B9FA-2358B0F765B5}" type="datetimeFigureOut">
               <a:rPr lang="en-US" smtClean="0"/>
-              <a:t>6/10/2022</a:t>
+              <a:t>6/11/2022</a:t>
             </a:fld>
             <a:endParaRPr lang="en-US"/>
           </a:p>
@@ -2352,7 +2357,7 @@
           <a:p>
             <a:fld id="{18B5F1E0-5D9A-461D-B9FA-2358B0F765B5}" type="datetimeFigureOut">
               <a:rPr lang="en-US" smtClean="0"/>
-              <a:t>6/10/2022</a:t>
+              <a:t>6/11/2022</a:t>
             </a:fld>
             <a:endParaRPr lang="en-US"/>
           </a:p>
@@ -2565,7 +2570,7 @@
           <a:p>
             <a:fld id="{18B5F1E0-5D9A-461D-B9FA-2358B0F765B5}" type="datetimeFigureOut">
               <a:rPr lang="en-US" smtClean="0"/>
-              <a:t>6/10/2022</a:t>
+              <a:t>6/11/2022</a:t>
             </a:fld>
             <a:endParaRPr lang="en-US"/>
           </a:p>
@@ -7049,7 +7054,7 @@
         </p:nvSpPr>
         <p:spPr>
           <a:xfrm>
-            <a:off x="9843463" y="4693328"/>
+            <a:off x="10116216" y="4669053"/>
             <a:ext cx="4546264" cy="264762"/>
           </a:xfrm>
           <a:prstGeom prst="roundRect">

--- a/Presentation1.pptx
+++ b/Presentation1.pptx
@@ -245,7 +245,7 @@
           <a:p>
             <a:fld id="{18B5F1E0-5D9A-461D-B9FA-2358B0F765B5}" type="datetimeFigureOut">
               <a:rPr lang="en-US" smtClean="0"/>
-              <a:t>6/11/2022</a:t>
+              <a:t>6/12/2022</a:t>
             </a:fld>
             <a:endParaRPr lang="en-US"/>
           </a:p>
@@ -415,7 +415,7 @@
           <a:p>
             <a:fld id="{18B5F1E0-5D9A-461D-B9FA-2358B0F765B5}" type="datetimeFigureOut">
               <a:rPr lang="en-US" smtClean="0"/>
-              <a:t>6/11/2022</a:t>
+              <a:t>6/12/2022</a:t>
             </a:fld>
             <a:endParaRPr lang="en-US"/>
           </a:p>
@@ -595,7 +595,7 @@
           <a:p>
             <a:fld id="{18B5F1E0-5D9A-461D-B9FA-2358B0F765B5}" type="datetimeFigureOut">
               <a:rPr lang="en-US" smtClean="0"/>
-              <a:t>6/11/2022</a:t>
+              <a:t>6/12/2022</a:t>
             </a:fld>
             <a:endParaRPr lang="en-US"/>
           </a:p>
@@ -765,7 +765,7 @@
           <a:p>
             <a:fld id="{18B5F1E0-5D9A-461D-B9FA-2358B0F765B5}" type="datetimeFigureOut">
               <a:rPr lang="en-US" smtClean="0"/>
-              <a:t>6/11/2022</a:t>
+              <a:t>6/12/2022</a:t>
             </a:fld>
             <a:endParaRPr lang="en-US"/>
           </a:p>
@@ -1011,7 +1011,7 @@
           <a:p>
             <a:fld id="{18B5F1E0-5D9A-461D-B9FA-2358B0F765B5}" type="datetimeFigureOut">
               <a:rPr lang="en-US" smtClean="0"/>
-              <a:t>6/11/2022</a:t>
+              <a:t>6/12/2022</a:t>
             </a:fld>
             <a:endParaRPr lang="en-US"/>
           </a:p>
@@ -1243,7 +1243,7 @@
           <a:p>
             <a:fld id="{18B5F1E0-5D9A-461D-B9FA-2358B0F765B5}" type="datetimeFigureOut">
               <a:rPr lang="en-US" smtClean="0"/>
-              <a:t>6/11/2022</a:t>
+              <a:t>6/12/2022</a:t>
             </a:fld>
             <a:endParaRPr lang="en-US"/>
           </a:p>
@@ -1610,7 +1610,7 @@
           <a:p>
             <a:fld id="{18B5F1E0-5D9A-461D-B9FA-2358B0F765B5}" type="datetimeFigureOut">
               <a:rPr lang="en-US" smtClean="0"/>
-              <a:t>6/11/2022</a:t>
+              <a:t>6/12/2022</a:t>
             </a:fld>
             <a:endParaRPr lang="en-US"/>
           </a:p>
@@ -1728,7 +1728,7 @@
           <a:p>
             <a:fld id="{18B5F1E0-5D9A-461D-B9FA-2358B0F765B5}" type="datetimeFigureOut">
               <a:rPr lang="en-US" smtClean="0"/>
-              <a:t>6/11/2022</a:t>
+              <a:t>6/12/2022</a:t>
             </a:fld>
             <a:endParaRPr lang="en-US"/>
           </a:p>
@@ -1823,7 +1823,7 @@
           <a:p>
             <a:fld id="{18B5F1E0-5D9A-461D-B9FA-2358B0F765B5}" type="datetimeFigureOut">
               <a:rPr lang="en-US" smtClean="0"/>
-              <a:t>6/11/2022</a:t>
+              <a:t>6/12/2022</a:t>
             </a:fld>
             <a:endParaRPr lang="en-US"/>
           </a:p>
@@ -2100,7 +2100,7 @@
           <a:p>
             <a:fld id="{18B5F1E0-5D9A-461D-B9FA-2358B0F765B5}" type="datetimeFigureOut">
               <a:rPr lang="en-US" smtClean="0"/>
-              <a:t>6/11/2022</a:t>
+              <a:t>6/12/2022</a:t>
             </a:fld>
             <a:endParaRPr lang="en-US"/>
           </a:p>
@@ -2357,7 +2357,7 @@
           <a:p>
             <a:fld id="{18B5F1E0-5D9A-461D-B9FA-2358B0F765B5}" type="datetimeFigureOut">
               <a:rPr lang="en-US" smtClean="0"/>
-              <a:t>6/11/2022</a:t>
+              <a:t>6/12/2022</a:t>
             </a:fld>
             <a:endParaRPr lang="en-US"/>
           </a:p>
@@ -2570,7 +2570,7 @@
           <a:p>
             <a:fld id="{18B5F1E0-5D9A-461D-B9FA-2358B0F765B5}" type="datetimeFigureOut">
               <a:rPr lang="en-US" smtClean="0"/>
-              <a:t>6/11/2022</a:t>
+              <a:t>6/12/2022</a:t>
             </a:fld>
             <a:endParaRPr lang="en-US"/>
           </a:p>
